--- a/Polymaths/Polymaths.pptx
+++ b/Polymaths/Polymaths.pptx
@@ -136,6 +136,7 @@
     <p1510:client id="{97E9B189-DC06-45BA-B1B7-31AE579F01E4}" v="1429" dt="2021-02-09T09:50:24.790"/>
     <p1510:client id="{9998CE57-54AA-41D7-A06A-F1FBEBD5E076}" v="842" dt="2021-04-05T13:01:42.936"/>
     <p1510:client id="{9CA84CD8-7565-40CC-BC77-F292303F9990}" v="1103" dt="2021-02-09T10:00:40.910"/>
+    <p1510:client id="{A6F9D261-48AB-4654-8C3D-A017E4519CD3}" v="53" dt="2021-04-08T13:52:07.403"/>
     <p1510:client id="{B9020E55-B866-4179-B00B-9776BF945FAA}" v="10" dt="2021-02-06T16:10:58.640"/>
     <p1510:client id="{EE712D78-0828-457F-A3FC-879F14120C34}" v="121" dt="2021-04-08T13:18:09.509"/>
     <p1510:client id="{F1ACD8EF-4E2D-4BDB-8874-4BA40962E7A9}" v="1093" dt="2021-02-09T07:50:21.854"/>
@@ -6409,7 +6410,7 @@
         </p:spPr>
         <p:txBody>
           <a:bodyPr vert="horz" lIns="91440" tIns="91440" rIns="91440" bIns="91440" rtlCol="0" anchor="t">
-            <a:normAutofit fontScale="92500"/>
+            <a:normAutofit fontScale="85000" lnSpcReduction="20000"/>
           </a:bodyPr>
           <a:lstStyle>
             <a:lvl1pPr marL="0" indent="0" algn="l" defTabSz="914400" rtl="0" eaLnBrk="1" latinLnBrk="0" hangingPunct="1">
@@ -6622,39 +6623,39 @@
           </a:lstStyle>
           <a:p>
             <a:r>
-              <a:rPr lang="en-US" sz="2000"/>
+              <a:rPr lang="en-US" sz="2000" dirty="0"/>
               <a:t>TEAM MEMBERS</a:t>
             </a:r>
-            <a:endParaRPr lang="en-US"/>
-          </a:p>
-          <a:p>
-            <a:r>
-              <a:rPr lang="en-US" sz="1600">
+            <a:endParaRPr lang="en-US" dirty="0"/>
+          </a:p>
+          <a:p>
+            <a:r>
+              <a:rPr lang="en-US" sz="1600" dirty="0">
                 <a:ea typeface="+mn-lt"/>
                 <a:cs typeface="+mn-lt"/>
               </a:rPr>
-              <a:t>Krishna:</a:t>
-            </a:r>
-            <a:r>
-              <a:rPr lang="en-US" sz="1600" cap="none">
+              <a:t>Krishna: </a:t>
+            </a:r>
+            <a:r>
+              <a:rPr lang="en-US" sz="1600" cap="none" dirty="0">
                 <a:ea typeface="+mn-lt"/>
                 <a:cs typeface="+mn-lt"/>
                 <a:hlinkClick r:id="rId2"/>
               </a:rPr>
               <a:t>krishnasai3cks@gmail.com</a:t>
             </a:r>
-            <a:endParaRPr lang="en-US" sz="1600"/>
-          </a:p>
-          <a:p>
-            <a:r>
-              <a:rPr lang="en-US" sz="1600">
+            <a:endParaRPr lang="en-US" sz="1600" dirty="0"/>
+          </a:p>
+          <a:p>
+            <a:r>
+              <a:rPr lang="en-US" sz="1600" dirty="0">
                 <a:ea typeface="+mn-lt"/>
                 <a:cs typeface="+mn-lt"/>
               </a:rPr>
               <a:t>Praneeth: </a:t>
             </a:r>
             <a:r>
-              <a:rPr lang="en-US" sz="1600" cap="none">
+              <a:rPr lang="en-US" sz="1600" cap="none" dirty="0">
                 <a:latin typeface="Century Gothic"/>
                 <a:ea typeface="Verdana"/>
                 <a:cs typeface="Verdana"/>
@@ -6663,28 +6664,28 @@
               <a:t>gpraneeth621@gmail.com</a:t>
             </a:r>
             <a:r>
-              <a:rPr lang="en-US" sz="1600" cap="none">
+              <a:rPr lang="en-US" sz="1600" cap="none" dirty="0">
                 <a:latin typeface="Century Gothic"/>
                 <a:ea typeface="Verdana"/>
                 <a:cs typeface="Verdana"/>
               </a:rPr>
               <a:t> </a:t>
             </a:r>
-            <a:endParaRPr lang="en-US" sz="1600" cap="none">
+            <a:endParaRPr lang="en-US" sz="1600" cap="none" dirty="0">
               <a:ea typeface="+mn-lt"/>
               <a:cs typeface="+mn-lt"/>
             </a:endParaRPr>
           </a:p>
           <a:p>
             <a:r>
-              <a:rPr lang="en-US" sz="1600">
+              <a:rPr lang="en-US" sz="1600" dirty="0">
                 <a:ea typeface="+mn-lt"/>
                 <a:cs typeface="+mn-lt"/>
               </a:rPr>
               <a:t>Saketh: </a:t>
             </a:r>
             <a:r>
-              <a:rPr lang="en-US" sz="1600" cap="none">
+              <a:rPr lang="en-US" sz="1600" cap="none" dirty="0">
                 <a:latin typeface="Verdana"/>
                 <a:ea typeface="+mn-lt"/>
                 <a:cs typeface="+mn-lt"/>
@@ -6693,13 +6694,29 @@
               <a:t>sakethnandn.k@gmail.com</a:t>
             </a:r>
             <a:r>
-              <a:rPr lang="en-US" sz="1600" cap="none">
+              <a:rPr lang="en-US" sz="1600" cap="none" dirty="0">
                 <a:ea typeface="+mn-lt"/>
                 <a:cs typeface="+mn-lt"/>
               </a:rPr>
               <a:t> </a:t>
             </a:r>
-            <a:endParaRPr lang="en-US" sz="1600" cap="none"/>
+            <a:endParaRPr lang="en-US" sz="1600" cap="none" dirty="0"/>
+          </a:p>
+          <a:p>
+            <a:r>
+              <a:rPr lang="en-US" sz="1600" cap="none" dirty="0"/>
+              <a:t>KEERTHI: </a:t>
+            </a:r>
+            <a:r>
+              <a:rPr lang="en-US" sz="1600" cap="none" dirty="0">
+                <a:latin typeface="Verdana"/>
+                <a:ea typeface="Verdana"/>
+                <a:cs typeface="+mn-lt"/>
+                <a:hlinkClick r:id="rId4"/>
+              </a:rPr>
+              <a:t>keerthiks1223@gmail.com</a:t>
+            </a:r>
+            <a:endParaRPr lang="en-US" sz="1600" cap="none" dirty="0"/>
           </a:p>
           <a:p>
             <a:pPr marL="285750" indent="-285750">
